--- a/content/August - Certification/0. Introduction.pptx
+++ b/content/August - Certification/0. Introduction.pptx
@@ -4455,7 +4455,7 @@
         <p:spPr>
           <a:xfrm>
             <a:off x="5654566" y="1166842"/>
-            <a:ext cx="6096000" cy="3693319"/>
+            <a:ext cx="6096000" cy="3970318"/>
           </a:xfrm>
           <a:prstGeom prst="rect">
             <a:avLst/>
@@ -4514,8 +4514,17 @@
               <a:rPr lang="en-ZA" dirty="0"/>
             </a:br>
             <a:br>
-              <a:rPr lang="en-ZA" dirty="0"/>
+              <a:rPr lang="en-ZA"/>
             </a:br>
+            <a:r>
+              <a:rPr lang="en-ZA">
+                <a:solidFill>
+                  <a:srgbClr val="212121"/>
+                </a:solidFill>
+                <a:latin typeface="Graphik Meetup"/>
+              </a:rPr>
+              <a:t>10:10 </a:t>
+            </a:r>
             <a:r>
               <a:rPr lang="en-ZA" dirty="0">
                 <a:solidFill>
@@ -4523,7 +4532,7 @@
                 </a:solidFill>
                 <a:latin typeface="Graphik Meetup"/>
               </a:rPr>
-              <a:t>10:15 - 11:00 - </a:t>
+              <a:t>- 11:00 - </a:t>
             </a:r>
             <a:r>
               <a:rPr lang="en-ZA" dirty="0"/>
@@ -4540,7 +4549,7 @@
               <a:rPr lang="en-ZA" dirty="0"/>
             </a:br>
             <a:r>
-              <a:rPr lang="en-ZA" dirty="0">
+              <a:rPr lang="en-ZA" strike="sngStrike" dirty="0">
                 <a:solidFill>
                   <a:srgbClr val="212121"/>
                 </a:solidFill>
@@ -4549,8 +4558,19 @@
               <a:t>11:15 - 12:00 - </a:t>
             </a:r>
             <a:r>
-              <a:rPr lang="en-ZA" dirty="0"/>
+              <a:rPr lang="en-ZA" strike="sngStrike" dirty="0"/>
               <a:t>Certification Roadmap - Alistair Pugin</a:t>
+            </a:r>
+          </a:p>
+          <a:p>
+            <a:pPr algn="ctr"/>
+            <a:r>
+              <a:rPr lang="en-ZA" dirty="0">
+                <a:solidFill>
+                  <a:srgbClr val="FF0000"/>
+                </a:solidFill>
+              </a:rPr>
+              <a:t>Cancelled due to illness.</a:t>
             </a:r>
             <a:br>
               <a:rPr lang="en-ZA" dirty="0"/>
@@ -4576,7 +4596,7 @@
         </p:nvSpPr>
         <p:spPr>
           <a:xfrm>
-            <a:off x="2449287" y="1617973"/>
+            <a:off x="2416629" y="3124200"/>
             <a:ext cx="9568542" cy="609600"/>
           </a:xfrm>
           <a:prstGeom prst="rect">
@@ -4630,7 +4650,7 @@
         </p:nvSpPr>
         <p:spPr>
           <a:xfrm>
-            <a:off x="2569029" y="1447498"/>
+            <a:off x="2536371" y="2953725"/>
             <a:ext cx="2131870" cy="942551"/>
           </a:xfrm>
           <a:prstGeom prst="rect">
